--- a/01 Classes/Aula 07 Programação Python.pptx
+++ b/01 Classes/Aula 07 Programação Python.pptx
@@ -1782,7 +1782,7 @@
           <a:p>
             <a:fld id="{48A87A34-81AB-432B-8DAE-1953F412C126}" type="datetimeFigureOut">
               <a:rPr lang="en-US" smtClean="0"/>
-              <a:t>3/4/2022</a:t>
+              <a:t>3/6/2022</a:t>
             </a:fld>
             <a:endParaRPr lang="en-US" dirty="0"/>
           </a:p>
@@ -1993,7 +1993,7 @@
           <a:p>
             <a:fld id="{48A87A34-81AB-432B-8DAE-1953F412C126}" type="datetimeFigureOut">
               <a:rPr lang="en-US" smtClean="0"/>
-              <a:t>3/4/2022</a:t>
+              <a:t>3/6/2022</a:t>
             </a:fld>
             <a:endParaRPr lang="en-US" dirty="0"/>
           </a:p>
@@ -2208,7 +2208,7 @@
           <a:p>
             <a:fld id="{48A87A34-81AB-432B-8DAE-1953F412C126}" type="datetimeFigureOut">
               <a:rPr lang="en-US" smtClean="0"/>
-              <a:t>3/4/2022</a:t>
+              <a:t>3/6/2022</a:t>
             </a:fld>
             <a:endParaRPr lang="en-US" dirty="0"/>
           </a:p>
@@ -2576,7 +2576,7 @@
           <a:p>
             <a:fld id="{48A87A34-81AB-432B-8DAE-1953F412C126}" type="datetimeFigureOut">
               <a:rPr lang="en-US" smtClean="0"/>
-              <a:t>3/4/2022</a:t>
+              <a:t>3/6/2022</a:t>
             </a:fld>
             <a:endParaRPr lang="en-US" dirty="0"/>
           </a:p>
@@ -2855,7 +2855,7 @@
           <a:p>
             <a:fld id="{48A87A34-81AB-432B-8DAE-1953F412C126}" type="datetimeFigureOut">
               <a:rPr lang="en-US" smtClean="0"/>
-              <a:t>3/4/2022</a:t>
+              <a:t>3/6/2022</a:t>
             </a:fld>
             <a:endParaRPr lang="en-US" dirty="0"/>
           </a:p>
@@ -3123,7 +3123,7 @@
           <a:p>
             <a:fld id="{48A87A34-81AB-432B-8DAE-1953F412C126}" type="datetimeFigureOut">
               <a:rPr lang="en-US" smtClean="0"/>
-              <a:t>3/4/2022</a:t>
+              <a:t>3/6/2022</a:t>
             </a:fld>
             <a:endParaRPr lang="en-US" dirty="0"/>
           </a:p>
@@ -3539,7 +3539,7 @@
           <a:p>
             <a:fld id="{48A87A34-81AB-432B-8DAE-1953F412C126}" type="datetimeFigureOut">
               <a:rPr lang="en-US" smtClean="0"/>
-              <a:t>3/4/2022</a:t>
+              <a:t>3/6/2022</a:t>
             </a:fld>
             <a:endParaRPr lang="en-US" dirty="0"/>
           </a:p>
@@ -3688,7 +3688,7 @@
           <a:p>
             <a:fld id="{48A87A34-81AB-432B-8DAE-1953F412C126}" type="datetimeFigureOut">
               <a:rPr lang="en-US" smtClean="0"/>
-              <a:t>3/4/2022</a:t>
+              <a:t>3/6/2022</a:t>
             </a:fld>
             <a:endParaRPr lang="en-US" dirty="0"/>
           </a:p>
@@ -3814,7 +3814,7 @@
           <a:p>
             <a:fld id="{48A87A34-81AB-432B-8DAE-1953F412C126}" type="datetimeFigureOut">
               <a:rPr lang="en-US" smtClean="0"/>
-              <a:t>3/4/2022</a:t>
+              <a:t>3/6/2022</a:t>
             </a:fld>
             <a:endParaRPr lang="en-US" dirty="0"/>
           </a:p>
@@ -4065,7 +4065,7 @@
           <a:p>
             <a:fld id="{48A87A34-81AB-432B-8DAE-1953F412C126}" type="datetimeFigureOut">
               <a:rPr lang="en-US" smtClean="0"/>
-              <a:t>3/4/2022</a:t>
+              <a:t>3/6/2022</a:t>
             </a:fld>
             <a:endParaRPr lang="en-US" dirty="0"/>
           </a:p>
@@ -4511,7 +4511,7 @@
             <a:fld id="{48A87A34-81AB-432B-8DAE-1953F412C126}" type="datetimeFigureOut">
               <a:rPr lang="en-US" smtClean="0"/>
               <a:pPr/>
-              <a:t>3/4/2022</a:t>
+              <a:t>3/6/2022</a:t>
             </a:fld>
             <a:endParaRPr lang="en-US" dirty="0"/>
           </a:p>
@@ -4839,7 +4839,7 @@
             <a:fld id="{48A87A34-81AB-432B-8DAE-1953F412C126}" type="datetimeFigureOut">
               <a:rPr lang="en-US" smtClean="0"/>
               <a:pPr/>
-              <a:t>3/4/2022</a:t>
+              <a:t>3/6/2022</a:t>
             </a:fld>
             <a:endParaRPr lang="en-US" dirty="0"/>
           </a:p>
@@ -8242,11 +8242,18 @@
               <a:buNone/>
             </a:pPr>
             <a:r>
+              <a:rPr lang="pt-BR" sz="3200" b="1" dirty="0">
+                <a:latin typeface="Times New Roman" panose="02020603050405020304" pitchFamily="18" charset="0"/>
+                <a:cs typeface="Times New Roman" panose="02020603050405020304" pitchFamily="18" charset="0"/>
+              </a:rPr>
+              <a:t>print</a:t>
+            </a:r>
+            <a:r>
               <a:rPr lang="pt-BR" sz="3200" dirty="0">
                 <a:latin typeface="Times New Roman" panose="02020603050405020304" pitchFamily="18" charset="0"/>
                 <a:cs typeface="Times New Roman" panose="02020603050405020304" pitchFamily="18" charset="0"/>
               </a:rPr>
-              <a:t>Print(</a:t>
+              <a:t>(</a:t>
             </a:r>
             <a:r>
               <a:rPr lang="pt-BR" sz="3200" dirty="0" err="1">
@@ -8447,11 +8454,18 @@
               <a:buNone/>
             </a:pPr>
             <a:r>
+              <a:rPr lang="pt-BR" b="1" dirty="0">
+                <a:latin typeface="Times New Roman" panose="02020603050405020304" pitchFamily="18" charset="0"/>
+                <a:cs typeface="Times New Roman" panose="02020603050405020304" pitchFamily="18" charset="0"/>
+              </a:rPr>
+              <a:t>print</a:t>
+            </a:r>
+            <a:r>
               <a:rPr lang="pt-BR" dirty="0">
                 <a:latin typeface="Times New Roman" panose="02020603050405020304" pitchFamily="18" charset="0"/>
                 <a:cs typeface="Times New Roman" panose="02020603050405020304" pitchFamily="18" charset="0"/>
               </a:rPr>
-              <a:t>print (cliente)</a:t>
+              <a:t> (cliente)</a:t>
             </a:r>
           </a:p>
           <a:p>
@@ -8735,7 +8749,7 @@
               <a:buNone/>
             </a:pPr>
             <a:r>
-              <a:rPr lang="pt-BR" dirty="0" err="1">
+              <a:rPr lang="pt-BR" b="1" dirty="0" err="1">
                 <a:latin typeface="Times New Roman" panose="02020603050405020304" pitchFamily="18" charset="0"/>
                 <a:cs typeface="Times New Roman" panose="02020603050405020304" pitchFamily="18" charset="0"/>
               </a:rPr>
@@ -8779,7 +8793,7 @@
               <a:t>: </a:t>
             </a:r>
             <a:r>
-              <a:rPr lang="pt-BR" dirty="0" err="1">
+              <a:rPr lang="pt-BR" b="1" dirty="0" err="1">
                 <a:latin typeface="Times New Roman" panose="02020603050405020304" pitchFamily="18" charset="0"/>
                 <a:cs typeface="Times New Roman" panose="02020603050405020304" pitchFamily="18" charset="0"/>
               </a:rPr>
@@ -12024,7 +12038,27 @@
                 <a:latin typeface="Times New Roman" panose="02020603050405020304" pitchFamily="18" charset="0"/>
                 <a:cs typeface="Times New Roman" panose="02020603050405020304" pitchFamily="18" charset="0"/>
               </a:rPr>
-              <a:t>   Ex.: print(</a:t>
+              <a:t>   Ex.: </a:t>
+            </a:r>
+            <a:r>
+              <a:rPr lang="pt-BR" b="1" dirty="0">
+                <a:solidFill>
+                  <a:schemeClr val="tx1"/>
+                </a:solidFill>
+                <a:latin typeface="Times New Roman" panose="02020603050405020304" pitchFamily="18" charset="0"/>
+                <a:cs typeface="Times New Roman" panose="02020603050405020304" pitchFamily="18" charset="0"/>
+              </a:rPr>
+              <a:t>print</a:t>
+            </a:r>
+            <a:r>
+              <a:rPr lang="pt-BR" dirty="0">
+                <a:solidFill>
+                  <a:schemeClr val="tx1"/>
+                </a:solidFill>
+                <a:latin typeface="Times New Roman" panose="02020603050405020304" pitchFamily="18" charset="0"/>
+                <a:cs typeface="Times New Roman" panose="02020603050405020304" pitchFamily="18" charset="0"/>
+              </a:rPr>
+              <a:t>(</a:t>
             </a:r>
             <a:r>
               <a:rPr lang="pt-BR" dirty="0" err="1">
@@ -12274,7 +12308,27 @@
                 <a:latin typeface="Times New Roman" panose="02020603050405020304" pitchFamily="18" charset="0"/>
                 <a:cs typeface="Times New Roman" panose="02020603050405020304" pitchFamily="18" charset="0"/>
               </a:rPr>
-              <a:t>   Ex.: print(</a:t>
+              <a:t>   Ex.: </a:t>
+            </a:r>
+            <a:r>
+              <a:rPr lang="pt-BR" b="1" dirty="0">
+                <a:solidFill>
+                  <a:schemeClr val="tx1"/>
+                </a:solidFill>
+                <a:latin typeface="Times New Roman" panose="02020603050405020304" pitchFamily="18" charset="0"/>
+                <a:cs typeface="Times New Roman" panose="02020603050405020304" pitchFamily="18" charset="0"/>
+              </a:rPr>
+              <a:t>print</a:t>
+            </a:r>
+            <a:r>
+              <a:rPr lang="pt-BR" dirty="0">
+                <a:solidFill>
+                  <a:schemeClr val="tx1"/>
+                </a:solidFill>
+                <a:latin typeface="Times New Roman" panose="02020603050405020304" pitchFamily="18" charset="0"/>
+                <a:cs typeface="Times New Roman" panose="02020603050405020304" pitchFamily="18" charset="0"/>
+              </a:rPr>
+              <a:t>(</a:t>
             </a:r>
             <a:r>
               <a:rPr lang="pt-BR" dirty="0" err="1">
@@ -12349,7 +12403,27 @@
                 <a:latin typeface="Times New Roman" panose="02020603050405020304" pitchFamily="18" charset="0"/>
                 <a:cs typeface="Times New Roman" panose="02020603050405020304" pitchFamily="18" charset="0"/>
               </a:rPr>
-              <a:t>   Ex.: print(</a:t>
+              <a:t>   Ex.: </a:t>
+            </a:r>
+            <a:r>
+              <a:rPr lang="pt-BR" b="1" dirty="0">
+                <a:solidFill>
+                  <a:schemeClr val="tx1"/>
+                </a:solidFill>
+                <a:latin typeface="Times New Roman" panose="02020603050405020304" pitchFamily="18" charset="0"/>
+                <a:cs typeface="Times New Roman" panose="02020603050405020304" pitchFamily="18" charset="0"/>
+              </a:rPr>
+              <a:t>print</a:t>
+            </a:r>
+            <a:r>
+              <a:rPr lang="pt-BR" dirty="0">
+                <a:solidFill>
+                  <a:schemeClr val="tx1"/>
+                </a:solidFill>
+                <a:latin typeface="Times New Roman" panose="02020603050405020304" pitchFamily="18" charset="0"/>
+                <a:cs typeface="Times New Roman" panose="02020603050405020304" pitchFamily="18" charset="0"/>
+              </a:rPr>
+              <a:t>(</a:t>
             </a:r>
             <a:r>
               <a:rPr lang="pt-BR" dirty="0" err="1">
@@ -12598,7 +12672,27 @@
                 <a:latin typeface="Times New Roman" panose="02020603050405020304" pitchFamily="18" charset="0"/>
                 <a:cs typeface="Times New Roman" panose="02020603050405020304" pitchFamily="18" charset="0"/>
               </a:rPr>
-              <a:t>   Ex.: print(</a:t>
+              <a:t>   Ex.: </a:t>
+            </a:r>
+            <a:r>
+              <a:rPr lang="pt-BR" b="1" dirty="0">
+                <a:solidFill>
+                  <a:schemeClr val="tx1"/>
+                </a:solidFill>
+                <a:latin typeface="Times New Roman" panose="02020603050405020304" pitchFamily="18" charset="0"/>
+                <a:cs typeface="Times New Roman" panose="02020603050405020304" pitchFamily="18" charset="0"/>
+              </a:rPr>
+              <a:t>print</a:t>
+            </a:r>
+            <a:r>
+              <a:rPr lang="pt-BR" dirty="0">
+                <a:solidFill>
+                  <a:schemeClr val="tx1"/>
+                </a:solidFill>
+                <a:latin typeface="Times New Roman" panose="02020603050405020304" pitchFamily="18" charset="0"/>
+                <a:cs typeface="Times New Roman" panose="02020603050405020304" pitchFamily="18" charset="0"/>
+              </a:rPr>
+              <a:t>(</a:t>
             </a:r>
             <a:r>
               <a:rPr lang="pt-BR" dirty="0" err="1">
@@ -12673,7 +12767,27 @@
                 <a:latin typeface="Times New Roman" panose="02020603050405020304" pitchFamily="18" charset="0"/>
                 <a:cs typeface="Times New Roman" panose="02020603050405020304" pitchFamily="18" charset="0"/>
               </a:rPr>
-              <a:t>   Ex.: print(</a:t>
+              <a:t>   Ex.: </a:t>
+            </a:r>
+            <a:r>
+              <a:rPr lang="pt-BR" b="1" dirty="0">
+                <a:solidFill>
+                  <a:schemeClr val="tx1"/>
+                </a:solidFill>
+                <a:latin typeface="Times New Roman" panose="02020603050405020304" pitchFamily="18" charset="0"/>
+                <a:cs typeface="Times New Roman" panose="02020603050405020304" pitchFamily="18" charset="0"/>
+              </a:rPr>
+              <a:t>print</a:t>
+            </a:r>
+            <a:r>
+              <a:rPr lang="pt-BR" dirty="0">
+                <a:solidFill>
+                  <a:schemeClr val="tx1"/>
+                </a:solidFill>
+                <a:latin typeface="Times New Roman" panose="02020603050405020304" pitchFamily="18" charset="0"/>
+                <a:cs typeface="Times New Roman" panose="02020603050405020304" pitchFamily="18" charset="0"/>
+              </a:rPr>
+              <a:t>(</a:t>
             </a:r>
             <a:r>
               <a:rPr lang="pt-BR" dirty="0" err="1">
@@ -12918,7 +13032,7 @@
               <a:t>   Ex.: </a:t>
             </a:r>
             <a:r>
-              <a:rPr lang="pt-BR" dirty="0" err="1">
+              <a:rPr lang="pt-BR" b="1" dirty="0" err="1">
                 <a:solidFill>
                   <a:schemeClr val="tx1"/>
                 </a:solidFill>
@@ -13016,7 +13130,7 @@
               <a:t>   Ex.: </a:t>
             </a:r>
             <a:r>
-              <a:rPr lang="pt-BR" dirty="0" err="1">
+              <a:rPr lang="pt-BR" b="1" dirty="0" err="1">
                 <a:solidFill>
                   <a:schemeClr val="tx1"/>
                 </a:solidFill>

--- a/01 Classes/Aula 07 Programação Python.pptx
+++ b/01 Classes/Aula 07 Programação Python.pptx
@@ -1782,7 +1782,7 @@
           <a:p>
             <a:fld id="{48A87A34-81AB-432B-8DAE-1953F412C126}" type="datetimeFigureOut">
               <a:rPr lang="en-US" smtClean="0"/>
-              <a:t>3/6/2022</a:t>
+              <a:t>4/22/2022</a:t>
             </a:fld>
             <a:endParaRPr lang="en-US" dirty="0"/>
           </a:p>
@@ -1993,7 +1993,7 @@
           <a:p>
             <a:fld id="{48A87A34-81AB-432B-8DAE-1953F412C126}" type="datetimeFigureOut">
               <a:rPr lang="en-US" smtClean="0"/>
-              <a:t>3/6/2022</a:t>
+              <a:t>4/22/2022</a:t>
             </a:fld>
             <a:endParaRPr lang="en-US" dirty="0"/>
           </a:p>
@@ -2208,7 +2208,7 @@
           <a:p>
             <a:fld id="{48A87A34-81AB-432B-8DAE-1953F412C126}" type="datetimeFigureOut">
               <a:rPr lang="en-US" smtClean="0"/>
-              <a:t>3/6/2022</a:t>
+              <a:t>4/22/2022</a:t>
             </a:fld>
             <a:endParaRPr lang="en-US" dirty="0"/>
           </a:p>
@@ -2576,7 +2576,7 @@
           <a:p>
             <a:fld id="{48A87A34-81AB-432B-8DAE-1953F412C126}" type="datetimeFigureOut">
               <a:rPr lang="en-US" smtClean="0"/>
-              <a:t>3/6/2022</a:t>
+              <a:t>4/22/2022</a:t>
             </a:fld>
             <a:endParaRPr lang="en-US" dirty="0"/>
           </a:p>
@@ -2855,7 +2855,7 @@
           <a:p>
             <a:fld id="{48A87A34-81AB-432B-8DAE-1953F412C126}" type="datetimeFigureOut">
               <a:rPr lang="en-US" smtClean="0"/>
-              <a:t>3/6/2022</a:t>
+              <a:t>4/22/2022</a:t>
             </a:fld>
             <a:endParaRPr lang="en-US" dirty="0"/>
           </a:p>
@@ -3123,7 +3123,7 @@
           <a:p>
             <a:fld id="{48A87A34-81AB-432B-8DAE-1953F412C126}" type="datetimeFigureOut">
               <a:rPr lang="en-US" smtClean="0"/>
-              <a:t>3/6/2022</a:t>
+              <a:t>4/22/2022</a:t>
             </a:fld>
             <a:endParaRPr lang="en-US" dirty="0"/>
           </a:p>
@@ -3539,7 +3539,7 @@
           <a:p>
             <a:fld id="{48A87A34-81AB-432B-8DAE-1953F412C126}" type="datetimeFigureOut">
               <a:rPr lang="en-US" smtClean="0"/>
-              <a:t>3/6/2022</a:t>
+              <a:t>4/22/2022</a:t>
             </a:fld>
             <a:endParaRPr lang="en-US" dirty="0"/>
           </a:p>
@@ -3688,7 +3688,7 @@
           <a:p>
             <a:fld id="{48A87A34-81AB-432B-8DAE-1953F412C126}" type="datetimeFigureOut">
               <a:rPr lang="en-US" smtClean="0"/>
-              <a:t>3/6/2022</a:t>
+              <a:t>4/22/2022</a:t>
             </a:fld>
             <a:endParaRPr lang="en-US" dirty="0"/>
           </a:p>
@@ -3814,7 +3814,7 @@
           <a:p>
             <a:fld id="{48A87A34-81AB-432B-8DAE-1953F412C126}" type="datetimeFigureOut">
               <a:rPr lang="en-US" smtClean="0"/>
-              <a:t>3/6/2022</a:t>
+              <a:t>4/22/2022</a:t>
             </a:fld>
             <a:endParaRPr lang="en-US" dirty="0"/>
           </a:p>
@@ -4065,7 +4065,7 @@
           <a:p>
             <a:fld id="{48A87A34-81AB-432B-8DAE-1953F412C126}" type="datetimeFigureOut">
               <a:rPr lang="en-US" smtClean="0"/>
-              <a:t>3/6/2022</a:t>
+              <a:t>4/22/2022</a:t>
             </a:fld>
             <a:endParaRPr lang="en-US" dirty="0"/>
           </a:p>
@@ -4511,7 +4511,7 @@
             <a:fld id="{48A87A34-81AB-432B-8DAE-1953F412C126}" type="datetimeFigureOut">
               <a:rPr lang="en-US" smtClean="0"/>
               <a:pPr/>
-              <a:t>3/6/2022</a:t>
+              <a:t>4/22/2022</a:t>
             </a:fld>
             <a:endParaRPr lang="en-US" dirty="0"/>
           </a:p>
@@ -4839,7 +4839,7 @@
             <a:fld id="{48A87A34-81AB-432B-8DAE-1953F412C126}" type="datetimeFigureOut">
               <a:rPr lang="en-US" smtClean="0"/>
               <a:pPr/>
-              <a:t>3/6/2022</a:t>
+              <a:t>4/22/2022</a:t>
             </a:fld>
             <a:endParaRPr lang="en-US" dirty="0"/>
           </a:p>
@@ -7463,8 +7463,8 @@
         </p:nvSpPr>
         <p:spPr>
           <a:xfrm>
-            <a:off x="136079" y="1730007"/>
-            <a:ext cx="5776206" cy="2677656"/>
+            <a:off x="186182" y="1730007"/>
+            <a:ext cx="8206255" cy="2677656"/>
           </a:xfrm>
           <a:prstGeom prst="rect">
             <a:avLst/>
@@ -7498,7 +7498,7 @@
                   <a:srgbClr val="FF0000"/>
                 </a:solidFill>
               </a:rPr>
-              <a:t>Cliente = ('200s 11s f I')</a:t>
+              <a:t>Cliente = (‘80s 11s f I')</a:t>
             </a:r>
           </a:p>
           <a:p>
@@ -7524,13 +7524,7 @@
             </a:r>
             <a:r>
               <a:rPr lang="pt-BR" sz="2400" dirty="0"/>
-              <a:t>",</a:t>
-            </a:r>
-          </a:p>
-          <a:p>
-            <a:r>
-              <a:rPr lang="pt-BR" sz="2400" dirty="0"/>
-              <a:t>b"01234567890", 5000.00, 0)</a:t>
+              <a:t>", 0, 2, b"234567890", 5000.00, 3)</a:t>
             </a:r>
           </a:p>
           <a:p>
@@ -9077,7 +9071,7 @@
                 <a:latin typeface="Times New Roman" panose="02020603050405020304" pitchFamily="18" charset="0"/>
                 <a:cs typeface="Times New Roman" panose="02020603050405020304" pitchFamily="18" charset="0"/>
               </a:rPr>
-              <a:t>("Cliente", "nome, </a:t>
+              <a:t>(‘Cliente’, ‘nome </a:t>
             </a:r>
             <a:r>
               <a:rPr lang="pt-BR" sz="2400" dirty="0" err="1">
@@ -9091,7 +9085,7 @@
                 <a:latin typeface="Times New Roman" panose="02020603050405020304" pitchFamily="18" charset="0"/>
                 <a:cs typeface="Times New Roman" panose="02020603050405020304" pitchFamily="18" charset="0"/>
               </a:rPr>
-              <a:t> limite compras“)</a:t>
+              <a:t> limite compras’)</a:t>
             </a:r>
           </a:p>
           <a:p>
@@ -9110,8 +9104,19 @@
                 <a:latin typeface="Times New Roman" panose="02020603050405020304" pitchFamily="18" charset="0"/>
                 <a:cs typeface="Times New Roman" panose="02020603050405020304" pitchFamily="18" charset="0"/>
               </a:rPr>
-              <a:t> = Cliente("Fulano", "01234567890", 5000.0, 0)</a:t>
-            </a:r>
+              <a:t> = Cliente(‘Fulano’, ‘01234567890</a:t>
+            </a:r>
+            <a:r>
+              <a:rPr lang="pt-BR" sz="2400">
+                <a:latin typeface="Times New Roman" panose="02020603050405020304" pitchFamily="18" charset="0"/>
+                <a:cs typeface="Times New Roman" panose="02020603050405020304" pitchFamily="18" charset="0"/>
+              </a:rPr>
+              <a:t>’, 5000.00, 300.00)</a:t>
+            </a:r>
+            <a:endParaRPr lang="pt-BR" sz="2400" dirty="0">
+              <a:latin typeface="Times New Roman" panose="02020603050405020304" pitchFamily="18" charset="0"/>
+              <a:cs typeface="Times New Roman" panose="02020603050405020304" pitchFamily="18" charset="0"/>
+            </a:endParaRPr>
           </a:p>
           <a:p>
             <a:pPr marL="619125" lvl="1" indent="0" algn="just">
